--- a/09_コンピュータ概論/02_学生用PPT_Chapter6-.pptx
+++ b/09_コンピュータ概論/02_学生用PPT_Chapter6-.pptx
@@ -18943,7 +18943,7 @@
           <a:p>
             <a:pPr algn="ctr"/>
             <a:r>
-              <a:rPr kumimoji="1" lang="ja-JP" altLang="en-US" sz="4000" dirty="0">
+              <a:rPr kumimoji="1" lang="ja-JP" altLang="en-US" sz="3600" dirty="0">
                 <a:solidFill>
                   <a:srgbClr val="FF0000"/>
                 </a:solidFill>
@@ -22117,7 +22117,7 @@
                 <a:latin typeface="ＭＳ Ｐゴシック" panose="020B0600070205080204" pitchFamily="50" charset="-128"/>
                 <a:ea typeface="ＭＳ Ｐゴシック" panose="020B0600070205080204" pitchFamily="50" charset="-128"/>
               </a:rPr>
-              <a:t>TOT3</a:t>
+              <a:t>POP3</a:t>
             </a:r>
             <a:endParaRPr kumimoji="1" lang="ja-JP" altLang="en-US" sz="3600" dirty="0">
               <a:solidFill>
@@ -22143,7 +22143,7 @@
         </p:nvSpPr>
         <p:spPr>
           <a:xfrm>
-            <a:off x="3145372" y="3332226"/>
+            <a:off x="3153838" y="3332226"/>
             <a:ext cx="2065074" cy="503882"/>
           </a:xfrm>
           <a:prstGeom prst="rect">
@@ -23783,7 +23783,7 @@
           <p:nvPr>
             <p:extLst>
               <p:ext uri="{D42A27DB-BD31-4B8C-83A1-F6EECF244321}">
-                <p14:modId xmlns:p14="http://schemas.microsoft.com/office/powerpoint/2010/main" val="3738874079"/>
+                <p14:modId xmlns:p14="http://schemas.microsoft.com/office/powerpoint/2010/main" val="1967309297"/>
               </p:ext>
             </p:extLst>
           </p:nvPr>
@@ -24286,13 +24286,6 @@
                         </a:rPr>
                         <a:t>セッション層</a:t>
                       </a:r>
-                      <a:endParaRPr kumimoji="1" lang="en-US" altLang="ja-JP" sz="2000" dirty="0">
-                        <a:solidFill>
-                          <a:srgbClr val="FF0000"/>
-                        </a:solidFill>
-                        <a:latin typeface="ＭＳ ゴシック" panose="020B0609070205080204" pitchFamily="49" charset="-128"/>
-                        <a:ea typeface="ＭＳ ゴシック" panose="020B0609070205080204" pitchFamily="49" charset="-128"/>
-                      </a:endParaRPr>
                     </a:p>
                   </a:txBody>
                   <a:tcPr>
@@ -24634,14 +24627,14 @@
                     <a:p>
                       <a:pPr algn="l"/>
                       <a:r>
-                        <a:rPr kumimoji="1" lang="ja-JP" altLang="en-US" sz="1200" dirty="0">
+                        <a:rPr kumimoji="1" lang="ja-JP" altLang="en-US" sz="2000" dirty="0">
                           <a:solidFill>
                             <a:srgbClr val="FF0000"/>
                           </a:solidFill>
                           <a:latin typeface="ＭＳ ゴシック" panose="020B0609070205080204" pitchFamily="49" charset="-128"/>
                           <a:ea typeface="ＭＳ ゴシック" panose="020B0609070205080204" pitchFamily="49" charset="-128"/>
                         </a:rPr>
-                        <a:t>ネットワークインターフェース層</a:t>
+                        <a:t>ﾈｯﾄﾜｰｸｲﾝﾀｰﾌｪｰｽ層</a:t>
                       </a:r>
                     </a:p>
                   </a:txBody>
@@ -26106,16 +26099,6 @@
           <a:p>
             <a:pPr algn="ctr"/>
             <a:r>
-              <a:rPr kumimoji="1" lang="en-US" altLang="ja-JP" sz="3600" dirty="0">
-                <a:solidFill>
-                  <a:srgbClr val="FF0000"/>
-                </a:solidFill>
-                <a:latin typeface="ＭＳ Ｐゴシック" panose="020B0600070205080204" pitchFamily="50" charset="-128"/>
-                <a:ea typeface="ＭＳ Ｐゴシック" panose="020B0600070205080204" pitchFamily="50" charset="-128"/>
-              </a:rPr>
-              <a:t>1</a:t>
-            </a:r>
-            <a:r>
               <a:rPr kumimoji="1" lang="ja-JP" altLang="en-US" sz="3600" dirty="0">
                 <a:solidFill>
                   <a:srgbClr val="FF0000"/>
@@ -26123,7 +26106,7 @@
                 <a:latin typeface="ＭＳ Ｐゴシック" panose="020B0600070205080204" pitchFamily="50" charset="-128"/>
                 <a:ea typeface="ＭＳ Ｐゴシック" panose="020B0600070205080204" pitchFamily="50" charset="-128"/>
               </a:rPr>
-              <a:t>つ</a:t>
+              <a:t>１つ</a:t>
             </a:r>
           </a:p>
         </p:txBody>
@@ -26890,7 +26873,7 @@
         </p:nvSpPr>
         <p:spPr>
           <a:xfrm>
-            <a:off x="6421201" y="3341541"/>
+            <a:off x="6429668" y="3379591"/>
             <a:ext cx="1904652" cy="503882"/>
           </a:xfrm>
           <a:prstGeom prst="rect">
@@ -27004,7 +26987,7 @@
                 <a:latin typeface="ＭＳ Ｐゴシック" panose="020B0600070205080204" pitchFamily="50" charset="-128"/>
                 <a:ea typeface="ＭＳ Ｐゴシック" panose="020B0600070205080204" pitchFamily="50" charset="-128"/>
               </a:rPr>
-              <a:t>WPA3</a:t>
+              <a:t>WAP3</a:t>
             </a:r>
             <a:endParaRPr kumimoji="1" lang="ja-JP" altLang="en-US" sz="3600" dirty="0">
               <a:solidFill>
@@ -27891,6 +27874,13 @@
               </a:rPr>
               <a:t>暗号化</a:t>
             </a:r>
+            <a:endParaRPr kumimoji="1" lang="en-US" altLang="ja-JP" sz="3600" dirty="0">
+              <a:solidFill>
+                <a:srgbClr val="FF0000"/>
+              </a:solidFill>
+              <a:latin typeface="ＭＳ Ｐゴシック" panose="020B0600070205080204" pitchFamily="50" charset="-128"/>
+              <a:ea typeface="ＭＳ Ｐゴシック" panose="020B0600070205080204" pitchFamily="50" charset="-128"/>
+            </a:endParaRPr>
           </a:p>
         </p:txBody>
       </p:sp>
@@ -28134,7 +28124,7 @@
           <a:p>
             <a:pPr algn="ctr"/>
             <a:r>
-              <a:rPr kumimoji="1" lang="ja-JP" altLang="en-US" sz="3600">
+              <a:rPr kumimoji="1" lang="ja-JP" altLang="en-US" sz="3600" dirty="0">
                 <a:solidFill>
                   <a:srgbClr val="FF0000"/>
                 </a:solidFill>
@@ -28143,13 +28133,6 @@
               </a:rPr>
               <a:t>ラベリング</a:t>
             </a:r>
-            <a:endParaRPr kumimoji="1" lang="ja-JP" altLang="en-US" sz="3600" dirty="0">
-              <a:solidFill>
-                <a:srgbClr val="FF0000"/>
-              </a:solidFill>
-              <a:latin typeface="ＭＳ Ｐゴシック" panose="020B0600070205080204" pitchFamily="50" charset="-128"/>
-              <a:ea typeface="ＭＳ Ｐゴシック" panose="020B0600070205080204" pitchFamily="50" charset="-128"/>
-            </a:endParaRPr>
           </a:p>
         </p:txBody>
       </p:sp>
@@ -29147,7 +29130,7 @@
           <a:p>
             <a:pPr algn="ctr"/>
             <a:r>
-              <a:rPr kumimoji="1" lang="ja-JP" altLang="en-US" sz="3600" dirty="0">
+              <a:rPr kumimoji="1" lang="ja-JP" altLang="en-US" sz="3600">
                 <a:solidFill>
                   <a:srgbClr val="0000FF"/>
                 </a:solidFill>
@@ -29156,6 +29139,13 @@
               </a:rPr>
               <a:t>種類</a:t>
             </a:r>
+            <a:endParaRPr kumimoji="1" lang="ja-JP" altLang="en-US" sz="3600" dirty="0">
+              <a:solidFill>
+                <a:srgbClr val="0000FF"/>
+              </a:solidFill>
+              <a:latin typeface="ＭＳ Ｐゴシック" panose="020B0600070205080204" pitchFamily="50" charset="-128"/>
+              <a:ea typeface="ＭＳ Ｐゴシック" panose="020B0600070205080204" pitchFamily="50" charset="-128"/>
+            </a:endParaRPr>
           </a:p>
         </p:txBody>
       </p:sp>
@@ -32913,13 +32903,6 @@
               </a:rPr>
               <a:t>ホスト</a:t>
             </a:r>
-            <a:endParaRPr kumimoji="1" lang="ja-JP" altLang="en-US" sz="3600" dirty="0">
-              <a:solidFill>
-                <a:srgbClr val="FF0000"/>
-              </a:solidFill>
-              <a:latin typeface="ＭＳ Ｐゴシック" panose="020B0600070205080204" pitchFamily="50" charset="-128"/>
-              <a:ea typeface="ＭＳ Ｐゴシック" panose="020B0600070205080204" pitchFamily="50" charset="-128"/>
-            </a:endParaRPr>
           </a:p>
         </p:txBody>
       </p:sp>
@@ -33697,16 +33680,10 @@
 <file path=customXml/itemProps1.xml><?xml version="1.0" encoding="utf-8"?>
 <ds:datastoreItem xmlns:ds="http://schemas.openxmlformats.org/officeDocument/2006/customXml" ds:itemID="{8B094367-0B1C-404D-9ABA-0EE95810DE85}">
   <ds:schemaRefs>
+    <ds:schemaRef ds:uri="http://schemas.microsoft.com/office/2006/metadata/properties"/>
     <ds:schemaRef ds:uri="http://schemas.microsoft.com/office/infopath/2007/PartnerControls"/>
-    <ds:schemaRef ds:uri="http://purl.org/dc/elements/1.1/"/>
     <ds:schemaRef ds:uri="c2562f78-638f-4b8f-b708-acdd87129c74"/>
-    <ds:schemaRef ds:uri="http://schemas.microsoft.com/office/2006/documentManagement/types"/>
-    <ds:schemaRef ds:uri="http://purl.org/dc/dcmitype/"/>
-    <ds:schemaRef ds:uri="http://purl.org/dc/terms/"/>
-    <ds:schemaRef ds:uri="http://www.w3.org/XML/1998/namespace"/>
-    <ds:schemaRef ds:uri="http://schemas.openxmlformats.org/package/2006/metadata/core-properties"/>
     <ds:schemaRef ds:uri="56f67181-167d-4f85-a438-a55f61d398e9"/>
-    <ds:schemaRef ds:uri="http://schemas.microsoft.com/office/2006/metadata/properties"/>
   </ds:schemaRefs>
 </ds:datastoreItem>
 </file>
